--- a/Employee_Data_Analysis_ FINAL.pptx
+++ b/Employee_Data_Analysis_ FINAL.pptx
@@ -126,7 +126,7 @@
   </p:defaultTextStyle>
   <p:extLst>
     <p:ext uri="{EFAFB233-063F-42B5-8137-9DF3F51BA10A}">
-      <p15:sldGuideLst xmlns:p15="http://schemas.microsoft.com/office/powerpoint/2012/main" xmlns="">
+      <p15:sldGuideLst xmlns="" xmlns:p15="http://schemas.microsoft.com/office/powerpoint/2012/main">
         <p15:guide id="1" orient="horz" pos="2880">
           <p15:clr>
             <a:srgbClr val="A4A3A4"/>
@@ -174,6 +174,7 @@
 
 <file path=ppt/charts/chart1.xml><?xml version="1.0" encoding="utf-8"?>
 <c:chartSpace xmlns:c="http://schemas.openxmlformats.org/drawingml/2006/chart" xmlns:a="http://schemas.openxmlformats.org/drawingml/2006/main" xmlns:r="http://schemas.openxmlformats.org/officeDocument/2006/relationships">
+  <c:date1904 val="1"/>
   <c:lang val="en-US"/>
   <c:pivotSource>
     <c:name>[final naan mudhalvan.xlsx]final naan mudhalvan!PivotTable4</c:name>
@@ -238,7 +239,7 @@
           <c:yMode val="edge"/>
           <c:x val="6.5168786593983438E-2"/>
           <c:y val="6.1448887516511404E-2"/>
-          <c:w val="0.66583121340601714"/>
+          <c:w val="0.66583121340601736"/>
           <c:h val="0.81009417940404504"/>
         </c:manualLayout>
       </c:layout>
@@ -616,24 +617,24 @@
             </c:numRef>
           </c:val>
         </c:ser>
-        <c:axId val="107276160"/>
-        <c:axId val="115535232"/>
+        <c:axId val="100245504"/>
+        <c:axId val="100247040"/>
       </c:barChart>
       <c:catAx>
-        <c:axId val="107276160"/>
+        <c:axId val="100245504"/>
         <c:scaling>
           <c:orientation val="minMax"/>
         </c:scaling>
         <c:axPos val="b"/>
         <c:tickLblPos val="nextTo"/>
-        <c:crossAx val="115535232"/>
+        <c:crossAx val="100247040"/>
         <c:crosses val="autoZero"/>
         <c:auto val="1"/>
         <c:lblAlgn val="ctr"/>
         <c:lblOffset val="100"/>
       </c:catAx>
       <c:valAx>
-        <c:axId val="115535232"/>
+        <c:axId val="100247040"/>
         <c:scaling>
           <c:orientation val="minMax"/>
         </c:scaling>
@@ -641,14 +642,13 @@
         <c:majorGridlines/>
         <c:numFmt formatCode="General" sourceLinked="1"/>
         <c:tickLblPos val="nextTo"/>
-        <c:crossAx val="107276160"/>
+        <c:crossAx val="100245504"/>
         <c:crosses val="autoZero"/>
         <c:crossBetween val="between"/>
       </c:valAx>
     </c:plotArea>
     <c:legend>
       <c:legendPos val="r"/>
-      <c:layout/>
     </c:legend>
     <c:plotVisOnly val="1"/>
   </c:chart>
@@ -658,6 +658,7 @@
 
 <file path=ppt/charts/chart2.xml><?xml version="1.0" encoding="utf-8"?>
 <c:chartSpace xmlns:c="http://schemas.openxmlformats.org/drawingml/2006/chart" xmlns:a="http://schemas.openxmlformats.org/drawingml/2006/main" xmlns:r="http://schemas.openxmlformats.org/officeDocument/2006/relationships">
+  <c:date1904 val="1"/>
   <c:lang val="en-US"/>
   <c:pivotSource>
     <c:name>[final naan mudhalvan.xlsx]final naan mudhalvan!PivotTable4</c:name>
@@ -698,7 +699,7 @@
           <c:yMode val="edge"/>
           <c:x val="6.5168786593983438E-2"/>
           <c:y val="7.0163484466402484E-2"/>
-          <c:w val="0.66583121340601714"/>
+          <c:w val="0.66583121340601736"/>
           <c:h val="0.81009417940404504"/>
         </c:manualLayout>
       </c:layout>
@@ -1076,24 +1077,24 @@
           </c:val>
         </c:ser>
         <c:marker val="1"/>
-        <c:axId val="93728768"/>
-        <c:axId val="93731072"/>
+        <c:axId val="126837120"/>
+        <c:axId val="126838656"/>
       </c:lineChart>
       <c:catAx>
-        <c:axId val="93728768"/>
+        <c:axId val="126837120"/>
         <c:scaling>
           <c:orientation val="minMax"/>
         </c:scaling>
         <c:axPos val="b"/>
         <c:tickLblPos val="nextTo"/>
-        <c:crossAx val="93731072"/>
+        <c:crossAx val="126838656"/>
         <c:crosses val="autoZero"/>
         <c:auto val="1"/>
         <c:lblAlgn val="ctr"/>
         <c:lblOffset val="100"/>
       </c:catAx>
       <c:valAx>
-        <c:axId val="93731072"/>
+        <c:axId val="126838656"/>
         <c:scaling>
           <c:orientation val="minMax"/>
         </c:scaling>
@@ -1101,14 +1102,13 @@
         <c:majorGridlines/>
         <c:numFmt formatCode="General" sourceLinked="1"/>
         <c:tickLblPos val="nextTo"/>
-        <c:crossAx val="93728768"/>
+        <c:crossAx val="126837120"/>
         <c:crosses val="autoZero"/>
         <c:crossBetween val="between"/>
       </c:valAx>
     </c:plotArea>
     <c:legend>
       <c:legendPos val="r"/>
-      <c:layout/>
     </c:legend>
     <c:plotVisOnly val="1"/>
   </c:chart>
@@ -1118,6 +1118,7 @@
 
 <file path=ppt/charts/chart3.xml><?xml version="1.0" encoding="utf-8"?>
 <c:chartSpace xmlns:c="http://schemas.openxmlformats.org/drawingml/2006/chart" xmlns:a="http://schemas.openxmlformats.org/drawingml/2006/main" xmlns:r="http://schemas.openxmlformats.org/officeDocument/2006/relationships">
+  <c:date1904 val="1"/>
   <c:lang val="en-US"/>
   <c:pivotSource>
     <c:name>[final naan mudhalvan.xlsx]final naan mudhalvan!PivotTable4</c:name>
@@ -1158,7 +1159,7 @@
           <c:yMode val="edge"/>
           <c:x val="6.5168786593983438E-2"/>
           <c:y val="7.0163484466402484E-2"/>
-          <c:w val="0.66583121340601714"/>
+          <c:w val="0.66583121340601736"/>
           <c:h val="0.81009417940404504"/>
         </c:manualLayout>
       </c:layout>
@@ -1536,24 +1537,24 @@
           </c:val>
         </c:ser>
         <c:marker val="1"/>
-        <c:axId val="93768704"/>
-        <c:axId val="94258304"/>
+        <c:axId val="100934400"/>
+        <c:axId val="100935936"/>
       </c:lineChart>
       <c:catAx>
-        <c:axId val="93768704"/>
+        <c:axId val="100934400"/>
         <c:scaling>
           <c:orientation val="minMax"/>
         </c:scaling>
         <c:axPos val="b"/>
         <c:tickLblPos val="nextTo"/>
-        <c:crossAx val="94258304"/>
+        <c:crossAx val="100935936"/>
         <c:crosses val="autoZero"/>
         <c:auto val="1"/>
         <c:lblAlgn val="ctr"/>
         <c:lblOffset val="100"/>
       </c:catAx>
       <c:valAx>
-        <c:axId val="94258304"/>
+        <c:axId val="100935936"/>
         <c:scaling>
           <c:orientation val="minMax"/>
         </c:scaling>
@@ -1561,14 +1562,13 @@
         <c:majorGridlines/>
         <c:numFmt formatCode="General" sourceLinked="1"/>
         <c:tickLblPos val="nextTo"/>
-        <c:crossAx val="93768704"/>
+        <c:crossAx val="100934400"/>
         <c:crosses val="autoZero"/>
         <c:crossBetween val="between"/>
       </c:valAx>
     </c:plotArea>
     <c:legend>
       <c:legendPos val="r"/>
-      <c:layout/>
     </c:legend>
     <c:plotVisOnly val="1"/>
   </c:chart>
@@ -1828,7 +1828,7 @@
     </p:spTree>
     <p:extLst>
       <p:ext uri="{BB962C8B-B14F-4D97-AF65-F5344CB8AC3E}">
-        <p14:creationId xmlns:p14="http://schemas.microsoft.com/office/powerpoint/2010/main" xmlns="" val="2918557904"/>
+        <p14:creationId xmlns="" xmlns:p14="http://schemas.microsoft.com/office/powerpoint/2010/main" val="2918557904"/>
       </p:ext>
     </p:extLst>
   </p:cSld>
@@ -2003,7 +2003,7 @@
     </p:spTree>
     <p:extLst>
       <p:ext uri="{BB962C8B-B14F-4D97-AF65-F5344CB8AC3E}">
-        <p14:creationId xmlns:p14="http://schemas.microsoft.com/office/powerpoint/2010/main" xmlns="" val="404353501"/>
+        <p14:creationId xmlns="" xmlns:p14="http://schemas.microsoft.com/office/powerpoint/2010/main" val="404353501"/>
       </p:ext>
     </p:extLst>
   </p:cSld>
@@ -4232,7 +4232,7 @@
           <p:cNvPr id="14" name="TextBox 13">
             <a:extLst>
               <a:ext uri="{FF2B5EF4-FFF2-40B4-BE49-F238E27FC236}">
-                <a16:creationId xmlns:a16="http://schemas.microsoft.com/office/drawing/2014/main" xmlns="" id="{D55ADE35-C35B-07C1-F5AA-C33B3DDB802E}"/>
+                <a16:creationId xmlns="" xmlns:a16="http://schemas.microsoft.com/office/drawing/2014/main" id="{D55ADE35-C35B-07C1-F5AA-C33B3DDB802E}"/>
               </a:ext>
             </a:extLst>
           </p:cNvPr>
@@ -4272,15 +4272,7 @@
             </a:r>
             <a:r>
               <a:rPr lang="en-US" sz="2400" dirty="0" smtClean="0"/>
-              <a:t>NO:122202196/</a:t>
-            </a:r>
-            <a:r>
-              <a:rPr lang="en-US" sz="2400" dirty="0" smtClean="0"/>
-              <a:t> </a:t>
-            </a:r>
-            <a:r>
-              <a:rPr lang="en-US" sz="2400" dirty="0" smtClean="0"/>
-              <a:t>asunm1353122202196</a:t>
+              <a:t>NO:122202196/22A92447C02FC77B9714D0E80C8536F1</a:t>
             </a:r>
             <a:endParaRPr lang="en-US" sz="2400" dirty="0"/>
           </a:p>
@@ -4390,7 +4382,7 @@
           <p:cNvPr id="2" name="Title 1">
             <a:extLst>
               <a:ext uri="{FF2B5EF4-FFF2-40B4-BE49-F238E27FC236}">
-                <a16:creationId xmlns:a16="http://schemas.microsoft.com/office/drawing/2014/main" xmlns="" id="{6E06195E-16D6-79D8-7A9F-F8EB1FE9E212}"/>
+                <a16:creationId xmlns="" xmlns:a16="http://schemas.microsoft.com/office/drawing/2014/main" id="{6E06195E-16D6-79D8-7A9F-F8EB1FE9E212}"/>
               </a:ext>
             </a:extLst>
           </p:cNvPr>
@@ -4525,7 +4517,7 @@
     </p:spTree>
     <p:extLst>
       <p:ext uri="{BB962C8B-B14F-4D97-AF65-F5344CB8AC3E}">
-        <p14:creationId xmlns:p14="http://schemas.microsoft.com/office/powerpoint/2010/main" xmlns="" val="2720660618"/>
+        <p14:creationId xmlns="" xmlns:p14="http://schemas.microsoft.com/office/powerpoint/2010/main" val="2720660618"/>
       </p:ext>
     </p:extLst>
   </p:cSld>
@@ -4990,15 +4982,7 @@
             </a:br>
             <a:r>
               <a:rPr lang="en-US" sz="2400" spc="20" dirty="0" smtClean="0"/>
-              <a:t>Performance level </a:t>
-            </a:r>
-            <a:r>
-              <a:rPr lang="en-US" sz="2400" spc="20" dirty="0" smtClean="0"/>
-              <a:t>=IF(Z8</a:t>
-            </a:r>
-            <a:r>
-              <a:rPr lang="en-US" sz="2400" spc="20" dirty="0" smtClean="0"/>
-              <a:t>&gt;=5, "VERY HIGH", IF(Z8&gt;=4, "HIGH", IF(Z8&gt;=3, "MED", "LOW")))</a:t>
+              <a:t>Performance level =IF(Z8&gt;=5, "VERY HIGH", IF(Z8&gt;=4, "HIGH", IF(Z8&gt;=3, "MED", "LOW")))</a:t>
             </a:r>
             <a:endParaRPr sz="4250" dirty="0"/>
           </a:p>
@@ -5063,7 +5047,7 @@
           <p:cNvPr id="9" name="TextBox 8">
             <a:extLst>
               <a:ext uri="{FF2B5EF4-FFF2-40B4-BE49-F238E27FC236}">
-                <a16:creationId xmlns:a16="http://schemas.microsoft.com/office/drawing/2014/main" xmlns="" id="{FAD9CEB2-36E1-0550-426B-2FAF97882044}"/>
+                <a16:creationId xmlns="" xmlns:a16="http://schemas.microsoft.com/office/drawing/2014/main" id="{FAD9CEB2-36E1-0550-426B-2FAF97882044}"/>
               </a:ext>
             </a:extLst>
           </p:cNvPr>
@@ -5438,14 +5422,7 @@
                 <a:latin typeface="Trebuchet MS"/>
                 <a:cs typeface="Trebuchet MS"/>
               </a:rPr>
-              <a:t>Performance level= =IF(Z8&gt;=5, "VERY HIGH", IF(Z8&gt;=4, "HIGH", IF(Z8&gt;=3, "MED", "LOW</a:t>
-            </a:r>
-            <a:r>
-              <a:rPr lang="en-US" sz="2400" b="1" spc="5" dirty="0" smtClean="0">
-                <a:latin typeface="Trebuchet MS"/>
-                <a:cs typeface="Trebuchet MS"/>
-              </a:rPr>
-              <a:t>")))</a:t>
+              <a:t>Performance level= =IF(Z8&gt;=5, "VERY HIGH", IF(Z8&gt;=4, "HIGH", IF(Z8&gt;=3, "MED", "LOW")))</a:t>
             </a:r>
           </a:p>
           <a:p>
@@ -5689,10 +5666,6 @@
             <a:r>
               <a:rPr lang="en-US" sz="2400" dirty="0" smtClean="0"/>
               <a:t> low. </a:t>
-            </a:r>
-            <a:r>
-              <a:rPr lang="en-US" sz="2400" dirty="0" smtClean="0"/>
-              <a:t/>
             </a:r>
             <a:br>
               <a:rPr lang="en-US" sz="2400" dirty="0" smtClean="0"/>
@@ -6259,7 +6232,7 @@
           <p:cNvPr id="2" name="Title 1">
             <a:extLst>
               <a:ext uri="{FF2B5EF4-FFF2-40B4-BE49-F238E27FC236}">
-                <a16:creationId xmlns:a16="http://schemas.microsoft.com/office/drawing/2014/main" xmlns="" id="{F9A5CB5B-BDD0-5A64-1A7C-37D3C88F8F9E}"/>
+                <a16:creationId xmlns="" xmlns:a16="http://schemas.microsoft.com/office/drawing/2014/main" id="{F9A5CB5B-BDD0-5A64-1A7C-37D3C88F8F9E}"/>
               </a:ext>
             </a:extLst>
           </p:cNvPr>
@@ -6298,14 +6271,7 @@
                 <a:latin typeface="Times New Roman" panose="02020603050405020304" pitchFamily="18" charset="0"/>
                 <a:cs typeface="Times New Roman" panose="02020603050405020304" pitchFamily="18" charset="0"/>
               </a:rPr>
-              <a:t>In </a:t>
-            </a:r>
-            <a:r>
-              <a:rPr lang="en-US" sz="2400" dirty="0" smtClean="0">
-                <a:latin typeface="Times New Roman" panose="02020603050405020304" pitchFamily="18" charset="0"/>
-                <a:cs typeface="Times New Roman" panose="02020603050405020304" pitchFamily="18" charset="0"/>
-              </a:rPr>
-              <a:t>conclusion, employee performance analysis is crucial for:</a:t>
+              <a:t>In conclusion, employee performance analysis is crucial for:</a:t>
             </a:r>
             <a:br>
               <a:rPr lang="en-US" sz="2400" dirty="0" smtClean="0">
@@ -6318,21 +6284,7 @@
                 <a:latin typeface="Times New Roman" panose="02020603050405020304" pitchFamily="18" charset="0"/>
                 <a:cs typeface="Times New Roman" panose="02020603050405020304" pitchFamily="18" charset="0"/>
               </a:rPr>
-              <a:t>Evaluating </a:t>
-            </a:r>
-            <a:r>
-              <a:rPr lang="en-US" sz="2400" dirty="0" smtClean="0">
-                <a:latin typeface="Times New Roman" panose="02020603050405020304" pitchFamily="18" charset="0"/>
-                <a:cs typeface="Times New Roman" panose="02020603050405020304" pitchFamily="18" charset="0"/>
-              </a:rPr>
-              <a:t>individual and </a:t>
-            </a:r>
-            <a:r>
-              <a:rPr lang="en-US" sz="2400" dirty="0" smtClean="0">
-                <a:latin typeface="Times New Roman" panose="02020603050405020304" pitchFamily="18" charset="0"/>
-                <a:cs typeface="Times New Roman" panose="02020603050405020304" pitchFamily="18" charset="0"/>
-              </a:rPr>
-              <a:t>team performance</a:t>
+              <a:t>Evaluating individual and team performance</a:t>
             </a:r>
             <a:br>
               <a:rPr lang="en-US" sz="2400" dirty="0" smtClean="0">
@@ -6345,21 +6297,7 @@
                 <a:latin typeface="Times New Roman" panose="02020603050405020304" pitchFamily="18" charset="0"/>
                 <a:cs typeface="Times New Roman" panose="02020603050405020304" pitchFamily="18" charset="0"/>
               </a:rPr>
-              <a:t>Informing </a:t>
-            </a:r>
-            <a:r>
-              <a:rPr lang="en-US" sz="2400" dirty="0" smtClean="0">
-                <a:latin typeface="Times New Roman" panose="02020603050405020304" pitchFamily="18" charset="0"/>
-                <a:cs typeface="Times New Roman" panose="02020603050405020304" pitchFamily="18" charset="0"/>
-              </a:rPr>
-              <a:t>data-driven decisions on talent </a:t>
-            </a:r>
-            <a:r>
-              <a:rPr lang="en-US" sz="2400" dirty="0" smtClean="0">
-                <a:latin typeface="Times New Roman" panose="02020603050405020304" pitchFamily="18" charset="0"/>
-                <a:cs typeface="Times New Roman" panose="02020603050405020304" pitchFamily="18" charset="0"/>
-              </a:rPr>
-              <a:t>management</a:t>
+              <a:t>Informing data-driven decisions on talent management</a:t>
             </a:r>
             <a:br>
               <a:rPr lang="en-US" sz="2400" dirty="0" smtClean="0">
@@ -6372,21 +6310,7 @@
                 <a:latin typeface="Times New Roman" panose="02020603050405020304" pitchFamily="18" charset="0"/>
                 <a:cs typeface="Times New Roman" panose="02020603050405020304" pitchFamily="18" charset="0"/>
               </a:rPr>
-              <a:t>Enhancing </a:t>
-            </a:r>
-            <a:r>
-              <a:rPr lang="en-US" sz="2400" dirty="0" smtClean="0">
-                <a:latin typeface="Times New Roman" panose="02020603050405020304" pitchFamily="18" charset="0"/>
-                <a:cs typeface="Times New Roman" panose="02020603050405020304" pitchFamily="18" charset="0"/>
-              </a:rPr>
-              <a:t>employee engagement and </a:t>
-            </a:r>
-            <a:r>
-              <a:rPr lang="en-US" sz="2400" dirty="0" smtClean="0">
-                <a:latin typeface="Times New Roman" panose="02020603050405020304" pitchFamily="18" charset="0"/>
-                <a:cs typeface="Times New Roman" panose="02020603050405020304" pitchFamily="18" charset="0"/>
-              </a:rPr>
-              <a:t>productivity</a:t>
+              <a:t>Enhancing employee engagement and productivity</a:t>
             </a:r>
             <a:br>
               <a:rPr lang="en-US" sz="2400" dirty="0" smtClean="0">
@@ -6399,21 +6323,7 @@
                 <a:latin typeface="Times New Roman" panose="02020603050405020304" pitchFamily="18" charset="0"/>
                 <a:cs typeface="Times New Roman" panose="02020603050405020304" pitchFamily="18" charset="0"/>
               </a:rPr>
-              <a:t>Driving </a:t>
-            </a:r>
-            <a:r>
-              <a:rPr lang="en-US" sz="2400" dirty="0" smtClean="0">
-                <a:latin typeface="Times New Roman" panose="02020603050405020304" pitchFamily="18" charset="0"/>
-                <a:cs typeface="Times New Roman" panose="02020603050405020304" pitchFamily="18" charset="0"/>
-              </a:rPr>
-              <a:t>business growth and </a:t>
-            </a:r>
-            <a:r>
-              <a:rPr lang="en-US" sz="2400" dirty="0" smtClean="0">
-                <a:latin typeface="Times New Roman" panose="02020603050405020304" pitchFamily="18" charset="0"/>
-                <a:cs typeface="Times New Roman" panose="02020603050405020304" pitchFamily="18" charset="0"/>
-              </a:rPr>
-              <a:t>success</a:t>
+              <a:t>Driving business growth and success</a:t>
             </a:r>
             <a:br>
               <a:rPr lang="en-US" sz="2400" dirty="0" smtClean="0">
@@ -6426,21 +6336,7 @@
                 <a:latin typeface="Times New Roman" panose="02020603050405020304" pitchFamily="18" charset="0"/>
                 <a:cs typeface="Times New Roman" panose="02020603050405020304" pitchFamily="18" charset="0"/>
               </a:rPr>
-              <a:t>Optimizing </a:t>
-            </a:r>
-            <a:r>
-              <a:rPr lang="en-US" sz="2400" dirty="0" smtClean="0">
-                <a:latin typeface="Times New Roman" panose="02020603050405020304" pitchFamily="18" charset="0"/>
-                <a:cs typeface="Times New Roman" panose="02020603050405020304" pitchFamily="18" charset="0"/>
-              </a:rPr>
-              <a:t>workforce </a:t>
-            </a:r>
-            <a:r>
-              <a:rPr lang="en-US" sz="2400" dirty="0" smtClean="0">
-                <a:latin typeface="Times New Roman" panose="02020603050405020304" pitchFamily="18" charset="0"/>
-                <a:cs typeface="Times New Roman" panose="02020603050405020304" pitchFamily="18" charset="0"/>
-              </a:rPr>
-              <a:t>potential</a:t>
+              <a:t>Optimizing workforce potential</a:t>
             </a:r>
             <a:br>
               <a:rPr lang="en-US" sz="2400" dirty="0" smtClean="0">
@@ -6453,14 +6349,7 @@
                 <a:latin typeface="Times New Roman" panose="02020603050405020304" pitchFamily="18" charset="0"/>
                 <a:cs typeface="Times New Roman" panose="02020603050405020304" pitchFamily="18" charset="0"/>
               </a:rPr>
-              <a:t>Achieving </a:t>
-            </a:r>
-            <a:r>
-              <a:rPr lang="en-US" sz="2400" dirty="0" smtClean="0">
-                <a:latin typeface="Times New Roman" panose="02020603050405020304" pitchFamily="18" charset="0"/>
-                <a:cs typeface="Times New Roman" panose="02020603050405020304" pitchFamily="18" charset="0"/>
-              </a:rPr>
-              <a:t>strategic objectives </a:t>
+              <a:t>Achieving strategic objectives </a:t>
             </a:r>
             <a:br>
               <a:rPr lang="en-US" sz="2400" dirty="0" smtClean="0">
@@ -6478,7 +6367,7 @@
     </p:spTree>
     <p:extLst>
       <p:ext uri="{BB962C8B-B14F-4D97-AF65-F5344CB8AC3E}">
-        <p14:creationId xmlns:p14="http://schemas.microsoft.com/office/powerpoint/2010/main" xmlns="" val="2986442291"/>
+        <p14:creationId xmlns="" xmlns:p14="http://schemas.microsoft.com/office/powerpoint/2010/main" val="2986442291"/>
       </p:ext>
     </p:extLst>
   </p:cSld>
@@ -7372,7 +7261,7 @@
           <p:cNvPr id="23" name="TextBox 22">
             <a:extLst>
               <a:ext uri="{FF2B5EF4-FFF2-40B4-BE49-F238E27FC236}">
-                <a16:creationId xmlns:a16="http://schemas.microsoft.com/office/drawing/2014/main" xmlns="" id="{F691EEC8-E83B-8506-163B-F39E906CCC0A}"/>
+                <a16:creationId xmlns="" xmlns:a16="http://schemas.microsoft.com/office/drawing/2014/main" id="{F691EEC8-E83B-8506-163B-F39E906CCC0A}"/>
               </a:ext>
             </a:extLst>
           </p:cNvPr>
@@ -8636,7 +8525,7 @@
           <p:cNvPr id="23" name="TextBox 22">
             <a:extLst>
               <a:ext uri="{FF2B5EF4-FFF2-40B4-BE49-F238E27FC236}">
-                <a16:creationId xmlns:a16="http://schemas.microsoft.com/office/drawing/2014/main" xmlns="" id="{D0827FA3-A9D4-0FE5-45BE-664C8C920E82}"/>
+                <a16:creationId xmlns="" xmlns:a16="http://schemas.microsoft.com/office/drawing/2014/main" id="{D0827FA3-A9D4-0FE5-45BE-664C8C920E82}"/>
               </a:ext>
             </a:extLst>
           </p:cNvPr>
@@ -9571,7 +9460,7 @@
           <p:cNvPr id="11" name="TextBox 10">
             <a:extLst>
               <a:ext uri="{FF2B5EF4-FFF2-40B4-BE49-F238E27FC236}">
-                <a16:creationId xmlns:a16="http://schemas.microsoft.com/office/drawing/2014/main" xmlns="" id="{F050B57B-77CA-84FA-9910-3F41C17BBB48}"/>
+                <a16:creationId xmlns="" xmlns:a16="http://schemas.microsoft.com/office/drawing/2014/main" id="{F050B57B-77CA-84FA-9910-3F41C17BBB48}"/>
               </a:ext>
             </a:extLst>
           </p:cNvPr>
@@ -9930,11 +9819,7 @@
             </a:br>
             <a:r>
               <a:rPr lang="en-US" sz="2400" spc="5" dirty="0" smtClean="0"/>
-              <a:t>1. </a:t>
-            </a:r>
-            <a:r>
-              <a:rPr lang="en-US" sz="2400" spc="5" dirty="0" smtClean="0"/>
-              <a:t>Employees: Receive feedback, coaching, and development opportunities to enhance their skills and career growth.</a:t>
+              <a:t>1. Employees: Receive feedback, coaching, and development opportunities to enhance their skills and career growth.</a:t>
             </a:r>
             <a:br>
               <a:rPr lang="en-US" sz="2400" spc="5" dirty="0" smtClean="0"/>
@@ -9948,11 +9833,7 @@
             </a:br>
             <a:r>
               <a:rPr lang="en-US" sz="2400" spc="5" dirty="0" smtClean="0"/>
-              <a:t> 3. HR Department: Use data to develop training programs, create effective recruitment strategies, and ensure compliance</a:t>
-            </a:r>
-            <a:r>
-              <a:rPr lang="en-US" sz="2400" spc="5" dirty="0" smtClean="0"/>
-              <a:t>.</a:t>
+              <a:t> 3. HR Department: Use data to develop training programs, create effective recruitment strategies, and ensure compliance.</a:t>
             </a:r>
             <a:br>
               <a:rPr lang="en-US" sz="2400" spc="5" dirty="0" smtClean="0"/>
@@ -10110,22 +9991,14 @@
             </a:br>
             <a:r>
               <a:rPr lang="en-US" sz="2400" dirty="0" smtClean="0"/>
-              <a:t> 5. Organization: Benefits from improved productivity, increased employee engagement, and better achievement of company goals</a:t>
-            </a:r>
-            <a:r>
-              <a:rPr lang="en-US" sz="2400" dirty="0" smtClean="0"/>
-              <a:t>.</a:t>
+              <a:t> 5. Organization: Benefits from improved productivity, increased employee engagement, and better achievement of company goals.</a:t>
             </a:r>
             <a:br>
               <a:rPr lang="en-US" sz="2400" dirty="0" smtClean="0"/>
             </a:br>
             <a:r>
               <a:rPr lang="en-US" sz="2400" dirty="0" smtClean="0"/>
-              <a:t>6.Customers</a:t>
-            </a:r>
-            <a:r>
-              <a:rPr lang="en-US" sz="2400" dirty="0" smtClean="0"/>
-              <a:t>: Ultimately benefit from improved products, services, and experiences due to a high-performing workforce. </a:t>
+              <a:t>6.Customers: Ultimately benefit from improved products, services, and experiences due to a high-performing workforce. </a:t>
             </a:r>
             <a:br>
               <a:rPr lang="en-US" sz="2400" dirty="0" smtClean="0"/>
@@ -10554,20 +10427,12 @@
               <a:rPr lang="en-US" sz="2400" dirty="0" smtClean="0"/>
               <a:t>1.conditional formatting : Conditional formatting highlights cells based on specific conditions, making it easier to visualize and analyze data. It draws attention to important information, identifies trends and patterns, and creates visual alerts for cells that require attention. This feature simplifies data analysis and facilitates faster decision-making. </a:t>
             </a:r>
-            <a:r>
-              <a:rPr lang="en-US" sz="2400" dirty="0" smtClean="0"/>
-              <a:t/>
-            </a:r>
             <a:br>
               <a:rPr lang="en-US" sz="2400" dirty="0" smtClean="0"/>
             </a:br>
             <a:r>
               <a:rPr lang="en-US" sz="2400" dirty="0" smtClean="0"/>
               <a:t>2.Filter : The filter option in Excel allows you to narrow down data to specific rows that meet certain criteria, hiding unnecessary data. You can filter by values, dates, or conditions, and quickly switch between different views. This feature helps to focus on relevant data, analyze subsets, and make informed decisions. </a:t>
-            </a:r>
-            <a:r>
-              <a:rPr lang="en-US" sz="2400" dirty="0" smtClean="0"/>
-              <a:t/>
             </a:r>
             <a:br>
               <a:rPr lang="en-US" sz="2400" dirty="0" smtClean="0"/>
@@ -10690,11 +10555,7 @@
           <a:p>
             <a:r>
               <a:rPr lang="en-US" sz="2400" dirty="0" smtClean="0"/>
-              <a:t>3.Formula: We use formulas in Excel to perform calculations, manipulate data, and automate tasks. Formulas enable us to transform raw data into meaningful information, making it easier to analyze, visualize, and make informed decisions. By using formulas, we can save time, reduce errors, and increase productivity</a:t>
-            </a:r>
-            <a:r>
-              <a:rPr lang="en-US" sz="2400" dirty="0" smtClean="0"/>
-              <a:t>.</a:t>
+              <a:t>3.Formula: We use formulas in Excel to perform calculations, manipulate data, and automate tasks. Formulas enable us to transform raw data into meaningful information, making it easier to analyze, visualize, and make informed decisions. By using formulas, we can save time, reduce errors, and increase productivity.</a:t>
             </a:r>
             <a:br>
               <a:rPr lang="en-US" sz="2400" dirty="0" smtClean="0"/>
@@ -10709,11 +10570,7 @@
             </a:r>
             <a:r>
               <a:rPr lang="en-US" sz="2400" dirty="0" smtClean="0"/>
-              <a:t> simplify data analysis and facilitate informed decision-making</a:t>
-            </a:r>
-            <a:r>
-              <a:rPr lang="en-US" sz="2400" dirty="0" smtClean="0"/>
-              <a:t>.</a:t>
+              <a:t> simplify data analysis and facilitate informed decision-making.</a:t>
             </a:r>
             <a:br>
               <a:rPr lang="en-US" sz="2400" dirty="0" smtClean="0"/>
@@ -11302,7 +11159,7 @@
   <a:extraClrSchemeLst/>
   <a:extLst>
     <a:ext uri="{05A4C25C-085E-4340-85A3-A5531E510DB2}">
-      <thm15:themeFamily xmlns:thm15="http://schemas.microsoft.com/office/thememl/2012/main" xmlns="" name="Office Theme" id="{62F939B6-93AF-4DB8-9C6B-D6C7DFDC589F}" vid="{4A3C46E8-61CC-4603-A589-7422A47A8E4A}"/>
+      <thm15:themeFamily xmlns="" xmlns:thm15="http://schemas.microsoft.com/office/thememl/2012/main" name="Office Theme" id="{62F939B6-93AF-4DB8-9C6B-D6C7DFDC589F}" vid="{4A3C46E8-61CC-4603-A589-7422A47A8E4A}"/>
     </a:ext>
   </a:extLst>
 </a:theme>
